--- a/presentation/IntroToR.pptx
+++ b/presentation/IntroToR.pptx
@@ -3204,7 +3204,7 @@
           <a:p>
             <a:fld id="{F71FF55F-5D5F-43B7-8030-C21020BE337C}" type="datetimeFigureOut">
               <a:rPr lang="en-US" smtClean="0"/>
-              <a:t>2/20/2023</a:t>
+              <a:t>2/21/2023</a:t>
             </a:fld>
             <a:endParaRPr lang="en-US"/>
           </a:p>
@@ -3834,7 +3834,7 @@
           <a:p>
             <a:fld id="{9184DA70-C731-4C70-880D-CCD4705E623C}" type="datetime1">
               <a:rPr lang="en-US" smtClean="0"/>
-              <a:t>2/20/2023</a:t>
+              <a:t>2/21/2023</a:t>
             </a:fld>
             <a:endParaRPr lang="en-US" dirty="0"/>
           </a:p>
@@ -4022,7 +4022,7 @@
           <a:p>
             <a:fld id="{4BE1D723-8F53-4F53-90B0-1982A396982E}" type="datetime1">
               <a:rPr lang="en-US" smtClean="0"/>
-              <a:t>2/20/2023</a:t>
+              <a:t>2/21/2023</a:t>
             </a:fld>
             <a:endParaRPr lang="en-US" dirty="0"/>
           </a:p>
@@ -4395,7 +4395,7 @@
           <a:p>
             <a:fld id="{97669AF7-7BEB-44E4-9852-375E34362B5B}" type="datetime1">
               <a:rPr lang="en-US" smtClean="0"/>
-              <a:t>2/20/2023</a:t>
+              <a:t>2/21/2023</a:t>
             </a:fld>
             <a:endParaRPr lang="en-US" dirty="0"/>
           </a:p>
@@ -4650,7 +4650,7 @@
           <a:p>
             <a:fld id="{BAAAC38D-0552-4C82-B593-E6124DFADBE2}" type="datetime1">
               <a:rPr lang="en-US" smtClean="0"/>
-              <a:t>2/20/2023</a:t>
+              <a:t>2/21/2023</a:t>
             </a:fld>
             <a:endParaRPr lang="en-US" dirty="0"/>
           </a:p>
@@ -5047,7 +5047,7 @@
           <a:p>
             <a:fld id="{D9DF0F1C-5577-4ACB-BB62-DF8F3C494C7E}" type="datetime1">
               <a:rPr lang="en-US" smtClean="0"/>
-              <a:t>2/20/2023</a:t>
+              <a:t>2/21/2023</a:t>
             </a:fld>
             <a:endParaRPr lang="en-US" dirty="0"/>
           </a:p>
@@ -5183,7 +5183,7 @@
           <a:p>
             <a:fld id="{1775B394-D9F9-4F0C-B15D-605F45CB9E9F}" type="datetime1">
               <a:rPr lang="en-US" smtClean="0"/>
-              <a:t>2/20/2023</a:t>
+              <a:t>2/21/2023</a:t>
             </a:fld>
             <a:endParaRPr lang="en-US" dirty="0"/>
           </a:p>
@@ -5340,7 +5340,7 @@
           <a:p>
             <a:fld id="{39667345-2558-425A-8533-9BFDBCE15005}" type="datetime1">
               <a:rPr lang="en-US" smtClean="0"/>
-              <a:t>2/20/2023</a:t>
+              <a:t>2/21/2023</a:t>
             </a:fld>
             <a:endParaRPr lang="en-US" dirty="0"/>
           </a:p>
@@ -5669,7 +5669,7 @@
           <a:p>
             <a:fld id="{92BEA474-078D-4E9B-9B14-09A87B19DC46}" type="datetime1">
               <a:rPr lang="en-US" smtClean="0"/>
-              <a:t>2/20/2023</a:t>
+              <a:t>2/21/2023</a:t>
             </a:fld>
             <a:endParaRPr lang="en-US" dirty="0"/>
           </a:p>
@@ -6019,7 +6019,7 @@
           <a:p>
             <a:fld id="{4907D986-8816-4272-A432-0437A28A9828}" type="datetime1">
               <a:rPr lang="en-US" smtClean="0"/>
-              <a:t>2/20/2023</a:t>
+              <a:t>2/21/2023</a:t>
             </a:fld>
             <a:endParaRPr lang="en-US" dirty="0"/>
           </a:p>
@@ -6280,7 +6280,7 @@
           <a:p>
             <a:fld id="{62D6E202-B606-4609-B914-27C9371A1F6D}" type="datetime1">
               <a:rPr lang="en-US" smtClean="0"/>
-              <a:t>2/20/2023</a:t>
+              <a:t>2/21/2023</a:t>
             </a:fld>
             <a:endParaRPr lang="en-US" dirty="0"/>
           </a:p>
@@ -6811,7 +6811,7 @@
       </p:grpSpPr>
       <p:sp useBgFill="1">
         <p:nvSpPr>
-          <p:cNvPr id="31" name="Rectangle 30">
+          <p:cNvPr id="38" name="Rectangle 37">
             <a:extLst>
               <a:ext uri="{FF2B5EF4-FFF2-40B4-BE49-F238E27FC236}">
                 <a16:creationId xmlns:a16="http://schemas.microsoft.com/office/drawing/2014/main" id="{A9286AD2-18A9-4868-A4E3-7A2097A20810}"/>
@@ -6887,8 +6887,8 @@
         </p:nvSpPr>
         <p:spPr>
           <a:xfrm>
-            <a:off x="5289754" y="639097"/>
-            <a:ext cx="6253317" cy="3686015"/>
+            <a:off x="5289754" y="639098"/>
+            <a:ext cx="6253317" cy="2744184"/>
           </a:xfrm>
         </p:spPr>
         <p:txBody>
@@ -6898,8 +6898,19 @@
           <a:lstStyle/>
           <a:p>
             <a:r>
+              <a:rPr lang="en-US" dirty="0"/>
+              <a:t>Intro to </a:t>
+            </a:r>
+            <a:r>
               <a:rPr lang="en-US"/>
-              <a:t>Intro to R</a:t>
+              <a:t>R 1.5</a:t>
+            </a:r>
+            <a:br>
+              <a:rPr lang="en-US" dirty="0"/>
+            </a:br>
+            <a:r>
+              <a:rPr lang="en-US" sz="6000" dirty="0"/>
+              <a:t>OU AI x OU SACM</a:t>
             </a:r>
             <a:endParaRPr lang="en-US" dirty="0"/>
           </a:p>
@@ -6939,7 +6950,7 @@
               </a:lnSpc>
             </a:pPr>
             <a:r>
-              <a:rPr lang="en-US">
+              <a:rPr lang="en-US" dirty="0">
                 <a:solidFill>
                   <a:schemeClr val="tx1">
                     <a:lumMod val="85000"/>
@@ -6957,7 +6968,7 @@
               </a:lnSpc>
             </a:pPr>
             <a:r>
-              <a:rPr lang="en-US">
+              <a:rPr lang="en-US" dirty="0">
                 <a:solidFill>
                   <a:schemeClr val="tx1">
                     <a:lumMod val="85000"/>
@@ -6970,6 +6981,36 @@
           </a:p>
         </p:txBody>
       </p:sp>
+      <p:pic>
+        <p:nvPicPr>
+          <p:cNvPr id="11" name="Picture 10">
+            <a:extLst>
+              <a:ext uri="{FF2B5EF4-FFF2-40B4-BE49-F238E27FC236}">
+                <a16:creationId xmlns:a16="http://schemas.microsoft.com/office/drawing/2014/main" id="{664363B5-7FA3-1EF7-309D-7CC3BBED363C}"/>
+              </a:ext>
+            </a:extLst>
+          </p:cNvPr>
+          <p:cNvPicPr>
+            <a:picLocks noChangeAspect="1"/>
+          </p:cNvPicPr>
+          <p:nvPr/>
+        </p:nvPicPr>
+        <p:blipFill>
+          <a:blip r:embed="rId3"/>
+          <a:stretch>
+            <a:fillRect/>
+          </a:stretch>
+        </p:blipFill>
+        <p:spPr>
+          <a:xfrm>
+            <a:off x="1114844" y="639097"/>
+            <a:ext cx="3049093" cy="2744184"/>
+          </a:xfrm>
+          <a:prstGeom prst="rect">
+            <a:avLst/>
+          </a:prstGeom>
+        </p:spPr>
+      </p:pic>
       <p:pic>
         <p:nvPicPr>
           <p:cNvPr id="5" name="Picture 4" descr="Application, icon&#10;&#10;Description automatically generated">
@@ -6985,52 +7026,14 @@
           <p:nvPr/>
         </p:nvPicPr>
         <p:blipFill rotWithShape="1">
-          <a:blip r:embed="rId3"/>
+          <a:blip r:embed="rId4"/>
           <a:srcRect t="7315" r="-2" b="-2"/>
           <a:stretch/>
         </p:blipFill>
         <p:spPr>
           <a:xfrm>
-            <a:off x="-1" y="1"/>
-            <a:ext cx="4635315" cy="3383280"/>
-          </a:xfrm>
-          <a:prstGeom prst="rect">
-            <a:avLst/>
-          </a:prstGeom>
-        </p:spPr>
-      </p:pic>
-      <p:pic>
-        <p:nvPicPr>
-          <p:cNvPr id="6" name="Picture 5">
-            <a:extLst>
-              <a:ext uri="{FF2B5EF4-FFF2-40B4-BE49-F238E27FC236}">
-                <a16:creationId xmlns:a16="http://schemas.microsoft.com/office/drawing/2014/main" id="{8940CBE3-3F91-419A-A649-32AB388ECA8B}"/>
-              </a:ext>
-              <a:ext uri="{C183D7F6-B498-43B3-948B-1728B52AA6E4}">
-                <adec:decorative xmlns:adec="http://schemas.microsoft.com/office/drawing/2017/decorative" val="1"/>
-              </a:ext>
-            </a:extLst>
-          </p:cNvPr>
-          <p:cNvPicPr>
-            <a:picLocks noChangeAspect="1"/>
-          </p:cNvPicPr>
-          <p:nvPr/>
-        </p:nvPicPr>
-        <p:blipFill rotWithShape="1">
-          <a:blip r:embed="rId4">
-            <a:extLst>
-              <a:ext uri="{28A0092B-C50C-407E-A947-70E740481C1C}">
-                <a14:useLocalDpi xmlns:a14="http://schemas.microsoft.com/office/drawing/2010/main" val="0"/>
-              </a:ext>
-            </a:extLst>
-          </a:blip>
-          <a:srcRect t="13435" r="3" b="21607"/>
-          <a:stretch/>
-        </p:blipFill>
-        <p:spPr>
-          <a:xfrm>
-            <a:off x="-1" y="3474720"/>
-            <a:ext cx="4635315" cy="3383280"/>
+            <a:off x="762540" y="3474720"/>
+            <a:ext cx="3753700" cy="2739810"/>
           </a:xfrm>
           <a:prstGeom prst="rect">
             <a:avLst/>
@@ -7039,7 +7042,7 @@
       </p:pic>
       <p:cxnSp>
         <p:nvCxnSpPr>
-          <p:cNvPr id="33" name="Straight Connector 32">
+          <p:cNvPr id="40" name="Straight Connector 39">
             <a:extLst>
               <a:ext uri="{FF2B5EF4-FFF2-40B4-BE49-F238E27FC236}">
                 <a16:creationId xmlns:a16="http://schemas.microsoft.com/office/drawing/2014/main" id="{E7A7CD63-7EC3-44F3-95D0-595C4019FF24}"/>
@@ -7092,6 +7095,61 @@
           </a:fontRef>
         </p:style>
       </p:cxnSp>
+      <p:sp>
+        <p:nvSpPr>
+          <p:cNvPr id="42" name="Rectangle 41">
+            <a:extLst>
+              <a:ext uri="{FF2B5EF4-FFF2-40B4-BE49-F238E27FC236}">
+                <a16:creationId xmlns:a16="http://schemas.microsoft.com/office/drawing/2014/main" id="{B8552A09-235F-4027-B9C7-B09D159C7FA3}"/>
+              </a:ext>
+              <a:ext uri="{C183D7F6-B498-43B3-948B-1728B52AA6E4}">
+                <adec:decorative xmlns:adec="http://schemas.microsoft.com/office/drawing/2017/decorative" val="1"/>
+              </a:ext>
+            </a:extLst>
+          </p:cNvPr>
+          <p:cNvSpPr>
+            <a:spLocks noGrp="1" noRot="1" noChangeAspect="1" noMove="1" noResize="1" noEditPoints="1" noAdjustHandles="1" noChangeArrowheads="1" noChangeShapeType="1" noTextEdit="1"/>
+          </p:cNvSpPr>
+          <p:nvPr>
+            <p:extLst>
+              <p:ext uri="{386F3935-93C4-4BCD-93E2-E3B085C9AB24}">
+                <p16:designElem xmlns:p16="http://schemas.microsoft.com/office/powerpoint/2015/main" val="1"/>
+              </p:ext>
+            </p:extLst>
+          </p:nvPr>
+        </p:nvSpPr>
+        <p:spPr>
+          <a:xfrm>
+            <a:off x="3175" y="6400800"/>
+            <a:ext cx="12188825" cy="457200"/>
+          </a:xfrm>
+          <a:prstGeom prst="rect">
+            <a:avLst/>
+          </a:prstGeom>
+          <a:solidFill>
+            <a:srgbClr val="262626"/>
+          </a:solidFill>
+          <a:ln>
+            <a:noFill/>
+          </a:ln>
+        </p:spPr>
+        <p:style>
+          <a:lnRef idx="2">
+            <a:schemeClr val="accent1">
+              <a:shade val="50000"/>
+            </a:schemeClr>
+          </a:lnRef>
+          <a:fillRef idx="1">
+            <a:schemeClr val="accent1"/>
+          </a:fillRef>
+          <a:effectRef idx="0">
+            <a:schemeClr val="accent1"/>
+          </a:effectRef>
+          <a:fontRef idx="minor">
+            <a:schemeClr val="lt1"/>
+          </a:fontRef>
+        </p:style>
+      </p:sp>
     </p:spTree>
     <p:extLst>
       <p:ext uri="{BB962C8B-B14F-4D97-AF65-F5344CB8AC3E}">
@@ -7803,39 +7861,23 @@
           <a:p>
             <a:r>
               <a:rPr lang="en-US" sz="2800" dirty="0"/>
-              <a:t>Download and install R </a:t>
+              <a:t>Follow this simple 2-step procedure!</a:t>
             </a:r>
-            <a:r>
-              <a:rPr lang="en-US" sz="2800"/>
-              <a:t>BEFORE RStudio</a:t>
-            </a:r>
-            <a:endParaRPr lang="en-US" sz="2800" dirty="0"/>
-          </a:p>
-          <a:p>
-            <a:r>
-              <a:rPr lang="en-US" sz="2800" dirty="0"/>
-              <a:t>Get R here: </a:t>
-            </a:r>
+          </a:p>
+          <a:p>
             <a:r>
               <a:rPr lang="en-US" sz="2800" dirty="0">
                 <a:hlinkClick r:id="rId2"/>
               </a:rPr>
-              <a:t>https://cran.r-project.org/mirrors.html</a:t>
+              <a:t>https://posit.co/download/rstudio-desktop/</a:t>
             </a:r>
             <a:endParaRPr lang="en-US" sz="2800" dirty="0"/>
           </a:p>
           <a:p>
             <a:r>
               <a:rPr lang="en-US" sz="2800" dirty="0"/>
-              <a:t>And RStudio here: </a:t>
+              <a:t>Remember to install R BEFORE RStudio</a:t>
             </a:r>
-            <a:r>
-              <a:rPr lang="en-US" sz="2800" dirty="0">
-                <a:hlinkClick r:id="rId3"/>
-              </a:rPr>
-              <a:t>https://www.rstudio.com/products/rstudio/download/</a:t>
-            </a:r>
-            <a:endParaRPr lang="en-US" sz="2800" dirty="0"/>
           </a:p>
         </p:txBody>
       </p:sp>
@@ -8534,12 +8576,15 @@
           </a:bodyPr>
           <a:lstStyle/>
           <a:p>
-            <a:pPr marL="0" indent="0">
-              <a:buNone/>
-            </a:pPr>
             <a:r>
               <a:rPr lang="en-US" sz="2800" dirty="0"/>
-              <a:t>Questions before we begin?</a:t>
+              <a:t>Basic R syntax</a:t>
+            </a:r>
+          </a:p>
+          <a:p>
+            <a:r>
+              <a:rPr lang="en-US" sz="2800" dirty="0"/>
+              <a:t>Slightly more advanced - clustering</a:t>
             </a:r>
           </a:p>
         </p:txBody>
@@ -9222,12 +9267,12 @@
 </file>
 
 <file path=customXml/item1.xml><?xml version="1.0" encoding="utf-8"?>
-<?mso-contentType ?>
-<FormTemplates xmlns="http://schemas.microsoft.com/sharepoint/v3/contenttype/forms">
-  <Display>DocumentLibraryForm</Display>
-  <Edit>DocumentLibraryForm</Edit>
-  <New>DocumentLibraryForm</New>
-</FormTemplates>
+<p:properties xmlns:p="http://schemas.microsoft.com/office/2006/metadata/properties" xmlns:xsi="http://www.w3.org/2001/XMLSchema-instance" xmlns:pc="http://schemas.microsoft.com/office/infopath/2007/PartnerControls">
+  <documentManagement>
+    <Status xmlns="71af3243-3dd4-4a8d-8c0d-dd76da1f02a5">Not started</Status>
+    <MediaServiceKeyPoints xmlns="71af3243-3dd4-4a8d-8c0d-dd76da1f02a5" xsi:nil="true"/>
+  </documentManagement>
+</p:properties>
 </file>
 
 <file path=customXml/item2.xml><?xml version="1.0" encoding="utf-8"?>
@@ -9452,18 +9497,20 @@
 </file>
 
 <file path=customXml/item3.xml><?xml version="1.0" encoding="utf-8"?>
-<p:properties xmlns:p="http://schemas.microsoft.com/office/2006/metadata/properties" xmlns:xsi="http://www.w3.org/2001/XMLSchema-instance" xmlns:pc="http://schemas.microsoft.com/office/infopath/2007/PartnerControls">
-  <documentManagement>
-    <Status xmlns="71af3243-3dd4-4a8d-8c0d-dd76da1f02a5">Not started</Status>
-    <MediaServiceKeyPoints xmlns="71af3243-3dd4-4a8d-8c0d-dd76da1f02a5" xsi:nil="true"/>
-  </documentManagement>
-</p:properties>
+<?mso-contentType ?>
+<FormTemplates xmlns="http://schemas.microsoft.com/sharepoint/v3/contenttype/forms">
+  <Display>DocumentLibraryForm</Display>
+  <Edit>DocumentLibraryForm</Edit>
+  <New>DocumentLibraryForm</New>
+</FormTemplates>
 </file>
 
 <file path=customXml/itemProps1.xml><?xml version="1.0" encoding="utf-8"?>
-<ds:datastoreItem xmlns:ds="http://schemas.openxmlformats.org/officeDocument/2006/customXml" ds:itemID="{31F006B4-A9E1-4F39-85C8-FB836F919348}">
+<ds:datastoreItem xmlns:ds="http://schemas.openxmlformats.org/officeDocument/2006/customXml" ds:itemID="{8F3CD65D-61A5-43C9-A837-6EC73C7DA8AB}">
   <ds:schemaRefs>
-    <ds:schemaRef ds:uri="http://schemas.microsoft.com/sharepoint/v3/contenttype/forms"/>
+    <ds:schemaRef ds:uri="http://schemas.microsoft.com/office/2006/metadata/properties"/>
+    <ds:schemaRef ds:uri="http://schemas.microsoft.com/office/infopath/2007/PartnerControls"/>
+    <ds:schemaRef ds:uri="71af3243-3dd4-4a8d-8c0d-dd76da1f02a5"/>
   </ds:schemaRefs>
 </ds:datastoreItem>
 </file>
@@ -9488,11 +9535,9 @@
 </file>
 
 <file path=customXml/itemProps3.xml><?xml version="1.0" encoding="utf-8"?>
-<ds:datastoreItem xmlns:ds="http://schemas.openxmlformats.org/officeDocument/2006/customXml" ds:itemID="{8F3CD65D-61A5-43C9-A837-6EC73C7DA8AB}">
+<ds:datastoreItem xmlns:ds="http://schemas.openxmlformats.org/officeDocument/2006/customXml" ds:itemID="{31F006B4-A9E1-4F39-85C8-FB836F919348}">
   <ds:schemaRefs>
-    <ds:schemaRef ds:uri="http://schemas.microsoft.com/office/2006/metadata/properties"/>
-    <ds:schemaRef ds:uri="http://schemas.microsoft.com/office/infopath/2007/PartnerControls"/>
-    <ds:schemaRef ds:uri="71af3243-3dd4-4a8d-8c0d-dd76da1f02a5"/>
+    <ds:schemaRef ds:uri="http://schemas.microsoft.com/sharepoint/v3/contenttype/forms"/>
   </ds:schemaRefs>
 </ds:datastoreItem>
 </file>
--- a/presentation/IntroToR.pptx
+++ b/presentation/IntroToR.pptx
@@ -6811,10 +6811,10 @@
       </p:grpSpPr>
       <p:sp useBgFill="1">
         <p:nvSpPr>
-          <p:cNvPr id="38" name="Rectangle 37">
+          <p:cNvPr id="56" name="Rectangle 55">
             <a:extLst>
               <a:ext uri="{FF2B5EF4-FFF2-40B4-BE49-F238E27FC236}">
-                <a16:creationId xmlns:a16="http://schemas.microsoft.com/office/drawing/2014/main" id="{A9286AD2-18A9-4868-A4E3-7A2097A20810}"/>
+                <a16:creationId xmlns:a16="http://schemas.microsoft.com/office/drawing/2014/main" id="{54DCD9B2-D552-47A6-9FE2-15D7E8159AB6}"/>
               </a:ext>
               <a:ext uri="{C183D7F6-B498-43B3-948B-1728B52AA6E4}">
                 <adec:decorative xmlns:adec="http://schemas.microsoft.com/office/drawing/2017/decorative" val="1"/>
@@ -6834,8 +6834,8 @@
         </p:nvSpPr>
         <p:spPr>
           <a:xfrm>
-            <a:off x="0" y="1"/>
-            <a:ext cx="12192001" cy="6857999"/>
+            <a:off x="0" y="0"/>
+            <a:ext cx="12192001" cy="6858000"/>
           </a:xfrm>
           <a:prstGeom prst="rect">
             <a:avLst/>
@@ -6887,8 +6887,8 @@
         </p:nvSpPr>
         <p:spPr>
           <a:xfrm>
-            <a:off x="5289754" y="639098"/>
-            <a:ext cx="6253317" cy="2744184"/>
+            <a:off x="6730000" y="639098"/>
+            <a:ext cx="4813072" cy="3494790"/>
           </a:xfrm>
         </p:spPr>
         <p:txBody>
@@ -6898,21 +6898,23 @@
           <a:lstStyle/>
           <a:p>
             <a:r>
-              <a:rPr lang="en-US" dirty="0"/>
-              <a:t>Intro to </a:t>
-            </a:r>
-            <a:r>
-              <a:rPr lang="en-US"/>
-              <a:t>R 1.5</a:t>
+              <a:rPr lang="en-US" sz="6800" dirty="0"/>
+              <a:t>Intro to R 1.5</a:t>
             </a:r>
             <a:br>
-              <a:rPr lang="en-US" dirty="0"/>
+              <a:rPr lang="en-US" sz="6800" dirty="0"/>
             </a:br>
             <a:r>
-              <a:rPr lang="en-US" sz="6000" dirty="0"/>
-              <a:t>OU AI x OU SACM</a:t>
+              <a:rPr lang="en-US" sz="6800" dirty="0"/>
+              <a:t>OU AI </a:t>
             </a:r>
-            <a:endParaRPr lang="en-US" dirty="0"/>
+            <a:br>
+              <a:rPr lang="en-US" sz="6800" dirty="0"/>
+            </a:br>
+            <a:r>
+              <a:rPr lang="en-US" sz="6800" dirty="0"/>
+              <a:t>OU SACM</a:t>
+            </a:r>
           </a:p>
         </p:txBody>
       </p:sp>
@@ -6934,8 +6936,8 @@
         </p:nvSpPr>
         <p:spPr>
           <a:xfrm>
-            <a:off x="5289753" y="4672739"/>
-            <a:ext cx="6269347" cy="1021498"/>
+            <a:off x="6729999" y="4455621"/>
+            <a:ext cx="4829101" cy="1238616"/>
           </a:xfrm>
         </p:spPr>
         <p:txBody>
@@ -6944,13 +6946,8 @@
           </a:bodyPr>
           <a:lstStyle/>
           <a:p>
-            <a:pPr>
-              <a:lnSpc>
-                <a:spcPct val="100000"/>
-              </a:lnSpc>
-            </a:pPr>
             <a:r>
-              <a:rPr lang="en-US" dirty="0">
+              <a:rPr lang="en-US">
                 <a:solidFill>
                   <a:schemeClr val="tx1">
                     <a:lumMod val="85000"/>
@@ -6962,13 +6959,8 @@
             </a:r>
           </a:p>
           <a:p>
-            <a:pPr>
-              <a:lnSpc>
-                <a:spcPct val="100000"/>
-              </a:lnSpc>
-            </a:pPr>
             <a:r>
-              <a:rPr lang="en-US" dirty="0">
+              <a:rPr lang="en-US">
                 <a:solidFill>
                   <a:schemeClr val="tx1">
                     <a:lumMod val="85000"/>
@@ -6983,40 +6975,10 @@
       </p:sp>
       <p:pic>
         <p:nvPicPr>
-          <p:cNvPr id="11" name="Picture 10">
+          <p:cNvPr id="8" name="Picture 7" descr="Chart&#10;&#10;Description automatically generated">
             <a:extLst>
               <a:ext uri="{FF2B5EF4-FFF2-40B4-BE49-F238E27FC236}">
-                <a16:creationId xmlns:a16="http://schemas.microsoft.com/office/drawing/2014/main" id="{664363B5-7FA3-1EF7-309D-7CC3BBED363C}"/>
-              </a:ext>
-            </a:extLst>
-          </p:cNvPr>
-          <p:cNvPicPr>
-            <a:picLocks noChangeAspect="1"/>
-          </p:cNvPicPr>
-          <p:nvPr/>
-        </p:nvPicPr>
-        <p:blipFill>
-          <a:blip r:embed="rId3"/>
-          <a:stretch>
-            <a:fillRect/>
-          </a:stretch>
-        </p:blipFill>
-        <p:spPr>
-          <a:xfrm>
-            <a:off x="1114844" y="639097"/>
-            <a:ext cx="3049093" cy="2744184"/>
-          </a:xfrm>
-          <a:prstGeom prst="rect">
-            <a:avLst/>
-          </a:prstGeom>
-        </p:spPr>
-      </p:pic>
-      <p:pic>
-        <p:nvPicPr>
-          <p:cNvPr id="5" name="Picture 4" descr="Application, icon&#10;&#10;Description automatically generated">
-            <a:extLst>
-              <a:ext uri="{FF2B5EF4-FFF2-40B4-BE49-F238E27FC236}">
-                <a16:creationId xmlns:a16="http://schemas.microsoft.com/office/drawing/2014/main" id="{6E0A5A47-C3A8-0957-88AF-B74DD38BC706}"/>
+                <a16:creationId xmlns:a16="http://schemas.microsoft.com/office/drawing/2014/main" id="{5976D65F-59BF-083F-EA6F-8967DAC5C203}"/>
               </a:ext>
             </a:extLst>
           </p:cNvPr>
@@ -7026,14 +6988,14 @@
           <p:nvPr/>
         </p:nvPicPr>
         <p:blipFill rotWithShape="1">
-          <a:blip r:embed="rId4"/>
-          <a:srcRect t="7315" r="-2" b="-2"/>
+          <a:blip r:embed="rId3"/>
+          <a:srcRect l="2712" r="4" b="4"/>
           <a:stretch/>
         </p:blipFill>
         <p:spPr>
           <a:xfrm>
-            <a:off x="762540" y="3474720"/>
-            <a:ext cx="3753700" cy="2739810"/>
+            <a:off x="633999" y="640081"/>
+            <a:ext cx="5462001" cy="5054156"/>
           </a:xfrm>
           <a:prstGeom prst="rect">
             <a:avLst/>
@@ -7042,10 +7004,10 @@
       </p:pic>
       <p:cxnSp>
         <p:nvCxnSpPr>
-          <p:cNvPr id="40" name="Straight Connector 39">
+          <p:cNvPr id="58" name="Straight Connector 57">
             <a:extLst>
               <a:ext uri="{FF2B5EF4-FFF2-40B4-BE49-F238E27FC236}">
-                <a16:creationId xmlns:a16="http://schemas.microsoft.com/office/drawing/2014/main" id="{E7A7CD63-7EC3-44F3-95D0-595C4019FF24}"/>
+                <a16:creationId xmlns:a16="http://schemas.microsoft.com/office/drawing/2014/main" id="{FCE0A9EA-62FA-4F43-BEF6-7BBBB3F90F25}"/>
               </a:ext>
               <a:ext uri="{C183D7F6-B498-43B3-948B-1728B52AA6E4}">
                 <adec:decorative xmlns:adec="http://schemas.microsoft.com/office/drawing/2017/decorative" val="1"/>
@@ -7065,8 +7027,8 @@
         </p:nvCxnSpPr>
         <p:spPr>
           <a:xfrm>
-            <a:off x="5427754" y="4498925"/>
-            <a:ext cx="5636107" cy="0"/>
+            <a:off x="6832349" y="4294754"/>
+            <a:ext cx="4389120" cy="0"/>
           </a:xfrm>
           <a:prstGeom prst="line">
             <a:avLst/>
@@ -7097,10 +7059,10 @@
       </p:cxnSp>
       <p:sp>
         <p:nvSpPr>
-          <p:cNvPr id="42" name="Rectangle 41">
+          <p:cNvPr id="60" name="Rectangle 59">
             <a:extLst>
               <a:ext uri="{FF2B5EF4-FFF2-40B4-BE49-F238E27FC236}">
-                <a16:creationId xmlns:a16="http://schemas.microsoft.com/office/drawing/2014/main" id="{B8552A09-235F-4027-B9C7-B09D159C7FA3}"/>
+                <a16:creationId xmlns:a16="http://schemas.microsoft.com/office/drawing/2014/main" id="{CCE25F7F-C10E-4478-90C0-93B61E638386}"/>
               </a:ext>
               <a:ext uri="{C183D7F6-B498-43B3-948B-1728B52AA6E4}">
                 <adec:decorative xmlns:adec="http://schemas.microsoft.com/office/drawing/2017/decorative" val="1"/>
@@ -7120,8 +7082,8 @@
         </p:nvSpPr>
         <p:spPr>
           <a:xfrm>
-            <a:off x="3175" y="6400800"/>
-            <a:ext cx="12188825" cy="457200"/>
+            <a:off x="0" y="6400800"/>
+            <a:ext cx="12192000" cy="457200"/>
           </a:xfrm>
           <a:prstGeom prst="rect">
             <a:avLst/>
@@ -9267,12 +9229,12 @@
 </file>
 
 <file path=customXml/item1.xml><?xml version="1.0" encoding="utf-8"?>
-<p:properties xmlns:p="http://schemas.microsoft.com/office/2006/metadata/properties" xmlns:xsi="http://www.w3.org/2001/XMLSchema-instance" xmlns:pc="http://schemas.microsoft.com/office/infopath/2007/PartnerControls">
-  <documentManagement>
-    <Status xmlns="71af3243-3dd4-4a8d-8c0d-dd76da1f02a5">Not started</Status>
-    <MediaServiceKeyPoints xmlns="71af3243-3dd4-4a8d-8c0d-dd76da1f02a5" xsi:nil="true"/>
-  </documentManagement>
-</p:properties>
+<?mso-contentType ?>
+<FormTemplates xmlns="http://schemas.microsoft.com/sharepoint/v3/contenttype/forms">
+  <Display>DocumentLibraryForm</Display>
+  <Edit>DocumentLibraryForm</Edit>
+  <New>DocumentLibraryForm</New>
+</FormTemplates>
 </file>
 
 <file path=customXml/item2.xml><?xml version="1.0" encoding="utf-8"?>
@@ -9497,20 +9459,18 @@
 </file>
 
 <file path=customXml/item3.xml><?xml version="1.0" encoding="utf-8"?>
-<?mso-contentType ?>
-<FormTemplates xmlns="http://schemas.microsoft.com/sharepoint/v3/contenttype/forms">
-  <Display>DocumentLibraryForm</Display>
-  <Edit>DocumentLibraryForm</Edit>
-  <New>DocumentLibraryForm</New>
-</FormTemplates>
+<p:properties xmlns:p="http://schemas.microsoft.com/office/2006/metadata/properties" xmlns:xsi="http://www.w3.org/2001/XMLSchema-instance" xmlns:pc="http://schemas.microsoft.com/office/infopath/2007/PartnerControls">
+  <documentManagement>
+    <Status xmlns="71af3243-3dd4-4a8d-8c0d-dd76da1f02a5">Not started</Status>
+    <MediaServiceKeyPoints xmlns="71af3243-3dd4-4a8d-8c0d-dd76da1f02a5" xsi:nil="true"/>
+  </documentManagement>
+</p:properties>
 </file>
 
 <file path=customXml/itemProps1.xml><?xml version="1.0" encoding="utf-8"?>
-<ds:datastoreItem xmlns:ds="http://schemas.openxmlformats.org/officeDocument/2006/customXml" ds:itemID="{8F3CD65D-61A5-43C9-A837-6EC73C7DA8AB}">
+<ds:datastoreItem xmlns:ds="http://schemas.openxmlformats.org/officeDocument/2006/customXml" ds:itemID="{31F006B4-A9E1-4F39-85C8-FB836F919348}">
   <ds:schemaRefs>
-    <ds:schemaRef ds:uri="http://schemas.microsoft.com/office/2006/metadata/properties"/>
-    <ds:schemaRef ds:uri="http://schemas.microsoft.com/office/infopath/2007/PartnerControls"/>
-    <ds:schemaRef ds:uri="71af3243-3dd4-4a8d-8c0d-dd76da1f02a5"/>
+    <ds:schemaRef ds:uri="http://schemas.microsoft.com/sharepoint/v3/contenttype/forms"/>
   </ds:schemaRefs>
 </ds:datastoreItem>
 </file>
@@ -9535,9 +9495,11 @@
 </file>
 
 <file path=customXml/itemProps3.xml><?xml version="1.0" encoding="utf-8"?>
-<ds:datastoreItem xmlns:ds="http://schemas.openxmlformats.org/officeDocument/2006/customXml" ds:itemID="{31F006B4-A9E1-4F39-85C8-FB836F919348}">
+<ds:datastoreItem xmlns:ds="http://schemas.openxmlformats.org/officeDocument/2006/customXml" ds:itemID="{8F3CD65D-61A5-43C9-A837-6EC73C7DA8AB}">
   <ds:schemaRefs>
-    <ds:schemaRef ds:uri="http://schemas.microsoft.com/sharepoint/v3/contenttype/forms"/>
+    <ds:schemaRef ds:uri="http://schemas.microsoft.com/office/2006/metadata/properties"/>
+    <ds:schemaRef ds:uri="http://schemas.microsoft.com/office/infopath/2007/PartnerControls"/>
+    <ds:schemaRef ds:uri="71af3243-3dd4-4a8d-8c0d-dd76da1f02a5"/>
   </ds:schemaRefs>
 </ds:datastoreItem>
 </file>
--- a/presentation/IntroToR.pptx
+++ b/presentation/IntroToR.pptx
@@ -3204,7 +3204,7 @@
           <a:p>
             <a:fld id="{F71FF55F-5D5F-43B7-8030-C21020BE337C}" type="datetimeFigureOut">
               <a:rPr lang="en-US" smtClean="0"/>
-              <a:t>2/21/2023</a:t>
+              <a:t>2/22/2023</a:t>
             </a:fld>
             <a:endParaRPr lang="en-US"/>
           </a:p>
@@ -3834,7 +3834,7 @@
           <a:p>
             <a:fld id="{9184DA70-C731-4C70-880D-CCD4705E623C}" type="datetime1">
               <a:rPr lang="en-US" smtClean="0"/>
-              <a:t>2/21/2023</a:t>
+              <a:t>2/22/2023</a:t>
             </a:fld>
             <a:endParaRPr lang="en-US" dirty="0"/>
           </a:p>
@@ -4022,7 +4022,7 @@
           <a:p>
             <a:fld id="{4BE1D723-8F53-4F53-90B0-1982A396982E}" type="datetime1">
               <a:rPr lang="en-US" smtClean="0"/>
-              <a:t>2/21/2023</a:t>
+              <a:t>2/22/2023</a:t>
             </a:fld>
             <a:endParaRPr lang="en-US" dirty="0"/>
           </a:p>
@@ -4395,7 +4395,7 @@
           <a:p>
             <a:fld id="{97669AF7-7BEB-44E4-9852-375E34362B5B}" type="datetime1">
               <a:rPr lang="en-US" smtClean="0"/>
-              <a:t>2/21/2023</a:t>
+              <a:t>2/22/2023</a:t>
             </a:fld>
             <a:endParaRPr lang="en-US" dirty="0"/>
           </a:p>
@@ -4650,7 +4650,7 @@
           <a:p>
             <a:fld id="{BAAAC38D-0552-4C82-B593-E6124DFADBE2}" type="datetime1">
               <a:rPr lang="en-US" smtClean="0"/>
-              <a:t>2/21/2023</a:t>
+              <a:t>2/22/2023</a:t>
             </a:fld>
             <a:endParaRPr lang="en-US" dirty="0"/>
           </a:p>
@@ -5047,7 +5047,7 @@
           <a:p>
             <a:fld id="{D9DF0F1C-5577-4ACB-BB62-DF8F3C494C7E}" type="datetime1">
               <a:rPr lang="en-US" smtClean="0"/>
-              <a:t>2/21/2023</a:t>
+              <a:t>2/22/2023</a:t>
             </a:fld>
             <a:endParaRPr lang="en-US" dirty="0"/>
           </a:p>
@@ -5183,7 +5183,7 @@
           <a:p>
             <a:fld id="{1775B394-D9F9-4F0C-B15D-605F45CB9E9F}" type="datetime1">
               <a:rPr lang="en-US" smtClean="0"/>
-              <a:t>2/21/2023</a:t>
+              <a:t>2/22/2023</a:t>
             </a:fld>
             <a:endParaRPr lang="en-US" dirty="0"/>
           </a:p>
@@ -5340,7 +5340,7 @@
           <a:p>
             <a:fld id="{39667345-2558-425A-8533-9BFDBCE15005}" type="datetime1">
               <a:rPr lang="en-US" smtClean="0"/>
-              <a:t>2/21/2023</a:t>
+              <a:t>2/22/2023</a:t>
             </a:fld>
             <a:endParaRPr lang="en-US" dirty="0"/>
           </a:p>
@@ -5669,7 +5669,7 @@
           <a:p>
             <a:fld id="{92BEA474-078D-4E9B-9B14-09A87B19DC46}" type="datetime1">
               <a:rPr lang="en-US" smtClean="0"/>
-              <a:t>2/21/2023</a:t>
+              <a:t>2/22/2023</a:t>
             </a:fld>
             <a:endParaRPr lang="en-US" dirty="0"/>
           </a:p>
@@ -6019,7 +6019,7 @@
           <a:p>
             <a:fld id="{4907D986-8816-4272-A432-0437A28A9828}" type="datetime1">
               <a:rPr lang="en-US" smtClean="0"/>
-              <a:t>2/21/2023</a:t>
+              <a:t>2/22/2023</a:t>
             </a:fld>
             <a:endParaRPr lang="en-US" dirty="0"/>
           </a:p>
@@ -6280,7 +6280,7 @@
           <a:p>
             <a:fld id="{62D6E202-B606-4609-B914-27C9371A1F6D}" type="datetime1">
               <a:rPr lang="en-US" smtClean="0"/>
-              <a:t>2/21/2023</a:t>
+              <a:t>2/22/2023</a:t>
             </a:fld>
             <a:endParaRPr lang="en-US" dirty="0"/>
           </a:p>
@@ -6811,10 +6811,10 @@
       </p:grpSpPr>
       <p:sp useBgFill="1">
         <p:nvSpPr>
-          <p:cNvPr id="56" name="Rectangle 55">
+          <p:cNvPr id="71" name="Rectangle 64">
             <a:extLst>
               <a:ext uri="{FF2B5EF4-FFF2-40B4-BE49-F238E27FC236}">
-                <a16:creationId xmlns:a16="http://schemas.microsoft.com/office/drawing/2014/main" id="{54DCD9B2-D552-47A6-9FE2-15D7E8159AB6}"/>
+                <a16:creationId xmlns:a16="http://schemas.microsoft.com/office/drawing/2014/main" id="{A9286AD2-18A9-4868-A4E3-7A2097A20810}"/>
               </a:ext>
               <a:ext uri="{C183D7F6-B498-43B3-948B-1728B52AA6E4}">
                 <adec:decorative xmlns:adec="http://schemas.microsoft.com/office/drawing/2017/decorative" val="1"/>
@@ -6834,8 +6834,8 @@
         </p:nvSpPr>
         <p:spPr>
           <a:xfrm>
-            <a:off x="0" y="0"/>
-            <a:ext cx="12192001" cy="6858000"/>
+            <a:off x="0" y="1"/>
+            <a:ext cx="12192001" cy="6857999"/>
           </a:xfrm>
           <a:prstGeom prst="rect">
             <a:avLst/>
@@ -6887,8 +6887,8 @@
         </p:nvSpPr>
         <p:spPr>
           <a:xfrm>
-            <a:off x="6730000" y="639098"/>
-            <a:ext cx="4813072" cy="3494790"/>
+            <a:off x="5289753" y="633442"/>
+            <a:ext cx="6253317" cy="3686015"/>
           </a:xfrm>
         </p:spPr>
         <p:txBody>
@@ -6898,21 +6898,21 @@
           <a:lstStyle/>
           <a:p>
             <a:r>
-              <a:rPr lang="en-US" sz="6800" dirty="0"/>
+              <a:rPr lang="en-US" dirty="0"/>
               <a:t>Intro to R 1.5</a:t>
             </a:r>
             <a:br>
-              <a:rPr lang="en-US" sz="6800" dirty="0"/>
+              <a:rPr lang="en-US" dirty="0"/>
             </a:br>
             <a:r>
-              <a:rPr lang="en-US" sz="6800" dirty="0"/>
+              <a:rPr lang="en-US" dirty="0"/>
               <a:t>OU AI </a:t>
             </a:r>
             <a:br>
-              <a:rPr lang="en-US" sz="6800" dirty="0"/>
+              <a:rPr lang="en-US" dirty="0"/>
             </a:br>
             <a:r>
-              <a:rPr lang="en-US" sz="6800" dirty="0"/>
+              <a:rPr lang="en-US" dirty="0"/>
               <a:t>OU SACM</a:t>
             </a:r>
           </a:p>
@@ -6936,8 +6936,8 @@
         </p:nvSpPr>
         <p:spPr>
           <a:xfrm>
-            <a:off x="6729999" y="4455621"/>
-            <a:ext cx="4829101" cy="1238616"/>
+            <a:off x="5289753" y="4672739"/>
+            <a:ext cx="6269347" cy="1021498"/>
           </a:xfrm>
         </p:spPr>
         <p:txBody>
@@ -6946,6 +6946,11 @@
           </a:bodyPr>
           <a:lstStyle/>
           <a:p>
+            <a:pPr>
+              <a:lnSpc>
+                <a:spcPct val="100000"/>
+              </a:lnSpc>
+            </a:pPr>
             <a:r>
               <a:rPr lang="en-US">
                 <a:solidFill>
@@ -6959,6 +6964,11 @@
             </a:r>
           </a:p>
           <a:p>
+            <a:pPr>
+              <a:lnSpc>
+                <a:spcPct val="100000"/>
+              </a:lnSpc>
+            </a:pPr>
             <a:r>
               <a:rPr lang="en-US">
                 <a:solidFill>
@@ -6973,6 +6983,36 @@
           </a:p>
         </p:txBody>
       </p:sp>
+      <p:pic>
+        <p:nvPicPr>
+          <p:cNvPr id="5" name="Picture 4" descr="Logo, company name&#10;&#10;Description automatically generated">
+            <a:extLst>
+              <a:ext uri="{FF2B5EF4-FFF2-40B4-BE49-F238E27FC236}">
+                <a16:creationId xmlns:a16="http://schemas.microsoft.com/office/drawing/2014/main" id="{4EEF407A-D8B1-1975-07F3-83F19C286BBE}"/>
+              </a:ext>
+            </a:extLst>
+          </p:cNvPr>
+          <p:cNvPicPr>
+            <a:picLocks noChangeAspect="1"/>
+          </p:cNvPicPr>
+          <p:nvPr/>
+        </p:nvPicPr>
+        <p:blipFill>
+          <a:blip r:embed="rId3"/>
+          <a:stretch>
+            <a:fillRect/>
+          </a:stretch>
+        </p:blipFill>
+        <p:spPr>
+          <a:xfrm>
+            <a:off x="1103088" y="3476416"/>
+            <a:ext cx="2744184" cy="2744184"/>
+          </a:xfrm>
+          <a:prstGeom prst="rect">
+            <a:avLst/>
+          </a:prstGeom>
+        </p:spPr>
+      </p:pic>
       <p:pic>
         <p:nvPicPr>
           <p:cNvPr id="8" name="Picture 7" descr="Chart&#10;&#10;Description automatically generated">
@@ -6988,14 +7028,14 @@
           <p:nvPr/>
         </p:nvPicPr>
         <p:blipFill rotWithShape="1">
-          <a:blip r:embed="rId3"/>
+          <a:blip r:embed="rId4"/>
           <a:srcRect l="2712" r="4" b="4"/>
           <a:stretch/>
         </p:blipFill>
         <p:spPr>
           <a:xfrm>
-            <a:off x="633999" y="640081"/>
-            <a:ext cx="5462001" cy="5054156"/>
+            <a:off x="994736" y="637400"/>
+            <a:ext cx="2960889" cy="2739810"/>
           </a:xfrm>
           <a:prstGeom prst="rect">
             <a:avLst/>
@@ -7004,10 +7044,10 @@
       </p:pic>
       <p:cxnSp>
         <p:nvCxnSpPr>
-          <p:cNvPr id="58" name="Straight Connector 57">
+          <p:cNvPr id="72" name="Straight Connector 66">
             <a:extLst>
               <a:ext uri="{FF2B5EF4-FFF2-40B4-BE49-F238E27FC236}">
-                <a16:creationId xmlns:a16="http://schemas.microsoft.com/office/drawing/2014/main" id="{FCE0A9EA-62FA-4F43-BEF6-7BBBB3F90F25}"/>
+                <a16:creationId xmlns:a16="http://schemas.microsoft.com/office/drawing/2014/main" id="{E7A7CD63-7EC3-44F3-95D0-595C4019FF24}"/>
               </a:ext>
               <a:ext uri="{C183D7F6-B498-43B3-948B-1728B52AA6E4}">
                 <adec:decorative xmlns:adec="http://schemas.microsoft.com/office/drawing/2017/decorative" val="1"/>
@@ -7027,8 +7067,8 @@
         </p:nvCxnSpPr>
         <p:spPr>
           <a:xfrm>
-            <a:off x="6832349" y="4294754"/>
-            <a:ext cx="4389120" cy="0"/>
+            <a:off x="5427754" y="4498925"/>
+            <a:ext cx="5636107" cy="0"/>
           </a:xfrm>
           <a:prstGeom prst="line">
             <a:avLst/>
@@ -7059,10 +7099,10 @@
       </p:cxnSp>
       <p:sp>
         <p:nvSpPr>
-          <p:cNvPr id="60" name="Rectangle 59">
+          <p:cNvPr id="73" name="Rectangle 68">
             <a:extLst>
               <a:ext uri="{FF2B5EF4-FFF2-40B4-BE49-F238E27FC236}">
-                <a16:creationId xmlns:a16="http://schemas.microsoft.com/office/drawing/2014/main" id="{CCE25F7F-C10E-4478-90C0-93B61E638386}"/>
+                <a16:creationId xmlns:a16="http://schemas.microsoft.com/office/drawing/2014/main" id="{B8552A09-235F-4027-B9C7-B09D159C7FA3}"/>
               </a:ext>
               <a:ext uri="{C183D7F6-B498-43B3-948B-1728B52AA6E4}">
                 <adec:decorative xmlns:adec="http://schemas.microsoft.com/office/drawing/2017/decorative" val="1"/>
@@ -7082,8 +7122,8 @@
         </p:nvSpPr>
         <p:spPr>
           <a:xfrm>
-            <a:off x="0" y="6400800"/>
-            <a:ext cx="12192000" cy="457200"/>
+            <a:off x="3175" y="6400800"/>
+            <a:ext cx="12188825" cy="457200"/>
           </a:xfrm>
           <a:prstGeom prst="rect">
             <a:avLst/>

--- a/presentation/IntroToR.pptx
+++ b/presentation/IntroToR.pptx
@@ -8586,8 +8586,13 @@
           <a:p>
             <a:r>
               <a:rPr lang="en-US" sz="2800" dirty="0"/>
-              <a:t>Slightly more advanced - clustering</a:t>
+              <a:t>Slightly more advanced – clustering, </a:t>
             </a:r>
+            <a:r>
+              <a:rPr lang="en-US" sz="2800"/>
+              <a:t>R markdown</a:t>
+            </a:r>
+            <a:endParaRPr lang="en-US" sz="2800" dirty="0"/>
           </a:p>
         </p:txBody>
       </p:sp>
@@ -9269,12 +9274,12 @@
 </file>
 
 <file path=customXml/item1.xml><?xml version="1.0" encoding="utf-8"?>
-<?mso-contentType ?>
-<FormTemplates xmlns="http://schemas.microsoft.com/sharepoint/v3/contenttype/forms">
-  <Display>DocumentLibraryForm</Display>
-  <Edit>DocumentLibraryForm</Edit>
-  <New>DocumentLibraryForm</New>
-</FormTemplates>
+<p:properties xmlns:p="http://schemas.microsoft.com/office/2006/metadata/properties" xmlns:xsi="http://www.w3.org/2001/XMLSchema-instance" xmlns:pc="http://schemas.microsoft.com/office/infopath/2007/PartnerControls">
+  <documentManagement>
+    <Status xmlns="71af3243-3dd4-4a8d-8c0d-dd76da1f02a5">Not started</Status>
+    <MediaServiceKeyPoints xmlns="71af3243-3dd4-4a8d-8c0d-dd76da1f02a5" xsi:nil="true"/>
+  </documentManagement>
+</p:properties>
 </file>
 
 <file path=customXml/item2.xml><?xml version="1.0" encoding="utf-8"?>
@@ -9499,18 +9504,20 @@
 </file>
 
 <file path=customXml/item3.xml><?xml version="1.0" encoding="utf-8"?>
-<p:properties xmlns:p="http://schemas.microsoft.com/office/2006/metadata/properties" xmlns:xsi="http://www.w3.org/2001/XMLSchema-instance" xmlns:pc="http://schemas.microsoft.com/office/infopath/2007/PartnerControls">
-  <documentManagement>
-    <Status xmlns="71af3243-3dd4-4a8d-8c0d-dd76da1f02a5">Not started</Status>
-    <MediaServiceKeyPoints xmlns="71af3243-3dd4-4a8d-8c0d-dd76da1f02a5" xsi:nil="true"/>
-  </documentManagement>
-</p:properties>
+<?mso-contentType ?>
+<FormTemplates xmlns="http://schemas.microsoft.com/sharepoint/v3/contenttype/forms">
+  <Display>DocumentLibraryForm</Display>
+  <Edit>DocumentLibraryForm</Edit>
+  <New>DocumentLibraryForm</New>
+</FormTemplates>
 </file>
 
 <file path=customXml/itemProps1.xml><?xml version="1.0" encoding="utf-8"?>
-<ds:datastoreItem xmlns:ds="http://schemas.openxmlformats.org/officeDocument/2006/customXml" ds:itemID="{31F006B4-A9E1-4F39-85C8-FB836F919348}">
+<ds:datastoreItem xmlns:ds="http://schemas.openxmlformats.org/officeDocument/2006/customXml" ds:itemID="{8F3CD65D-61A5-43C9-A837-6EC73C7DA8AB}">
   <ds:schemaRefs>
-    <ds:schemaRef ds:uri="http://schemas.microsoft.com/sharepoint/v3/contenttype/forms"/>
+    <ds:schemaRef ds:uri="http://schemas.microsoft.com/office/2006/metadata/properties"/>
+    <ds:schemaRef ds:uri="http://schemas.microsoft.com/office/infopath/2007/PartnerControls"/>
+    <ds:schemaRef ds:uri="71af3243-3dd4-4a8d-8c0d-dd76da1f02a5"/>
   </ds:schemaRefs>
 </ds:datastoreItem>
 </file>
@@ -9535,11 +9542,9 @@
 </file>
 
 <file path=customXml/itemProps3.xml><?xml version="1.0" encoding="utf-8"?>
-<ds:datastoreItem xmlns:ds="http://schemas.openxmlformats.org/officeDocument/2006/customXml" ds:itemID="{8F3CD65D-61A5-43C9-A837-6EC73C7DA8AB}">
+<ds:datastoreItem xmlns:ds="http://schemas.openxmlformats.org/officeDocument/2006/customXml" ds:itemID="{31F006B4-A9E1-4F39-85C8-FB836F919348}">
   <ds:schemaRefs>
-    <ds:schemaRef ds:uri="http://schemas.microsoft.com/office/2006/metadata/properties"/>
-    <ds:schemaRef ds:uri="http://schemas.microsoft.com/office/infopath/2007/PartnerControls"/>
-    <ds:schemaRef ds:uri="71af3243-3dd4-4a8d-8c0d-dd76da1f02a5"/>
+    <ds:schemaRef ds:uri="http://schemas.microsoft.com/sharepoint/v3/contenttype/forms"/>
   </ds:schemaRefs>
 </ds:datastoreItem>
 </file>